--- a/java/sem 3/Module 2 Class, objects and methods.pptx
+++ b/java/sem 3/Module 2 Class, objects and methods.pptx
@@ -225,6 +225,35 @@
 </p:presentation>
 </file>
 
+<file path=ppt/changesInfos/changesInfo1.xml><?xml version="1.0" encoding="utf-8"?>
+<pc:chgInfo xmlns:a="http://schemas.openxmlformats.org/drawingml/2006/main" xmlns:r="http://schemas.openxmlformats.org/officeDocument/2006/relationships" xmlns:ac="http://schemas.microsoft.com/office/drawing/2013/main/command" xmlns:pc="http://schemas.microsoft.com/office/powerpoint/2013/main/command">
+  <pc:docChgLst>
+    <pc:chgData name="Peram praveen kumar reddy" userId="ccb74b16d9ee0880" providerId="LiveId" clId="{4A3DF108-A4C7-48B1-B02B-29EA40435E2A}"/>
+    <pc:docChg chg="modSld">
+      <pc:chgData name="Peram praveen kumar reddy" userId="ccb74b16d9ee0880" providerId="LiveId" clId="{4A3DF108-A4C7-48B1-B02B-29EA40435E2A}" dt="2022-11-11T06:30:54.224" v="57" actId="20577"/>
+      <pc:docMkLst>
+        <pc:docMk/>
+      </pc:docMkLst>
+      <pc:sldChg chg="modSp mod">
+        <pc:chgData name="Peram praveen kumar reddy" userId="ccb74b16d9ee0880" providerId="LiveId" clId="{4A3DF108-A4C7-48B1-B02B-29EA40435E2A}" dt="2022-11-11T06:30:54.224" v="57" actId="20577"/>
+        <pc:sldMkLst>
+          <pc:docMk/>
+          <pc:sldMk cId="3667320112" sldId="365"/>
+        </pc:sldMkLst>
+        <pc:spChg chg="mod">
+          <ac:chgData name="Peram praveen kumar reddy" userId="ccb74b16d9ee0880" providerId="LiveId" clId="{4A3DF108-A4C7-48B1-B02B-29EA40435E2A}" dt="2022-11-11T06:30:54.224" v="57" actId="20577"/>
+          <ac:spMkLst>
+            <pc:docMk/>
+            <pc:sldMk cId="3667320112" sldId="365"/>
+            <ac:spMk id="4" creationId="{00000000-0000-0000-0000-000000000000}"/>
+          </ac:spMkLst>
+        </pc:spChg>
+      </pc:sldChg>
+    </pc:docChg>
+  </pc:docChgLst>
+</pc:chgInfo>
+</file>
+
 <file path=ppt/notesMasters/notesMaster1.xml><?xml version="1.0" encoding="utf-8"?>
 <p:notesMaster xmlns:a="http://schemas.openxmlformats.org/drawingml/2006/main" xmlns:r="http://schemas.openxmlformats.org/officeDocument/2006/relationships" xmlns:p="http://schemas.openxmlformats.org/presentationml/2006/main">
   <p:cSld>
@@ -307,7 +336,7 @@
           <a:p>
             <a:fld id="{857558B2-0A69-4645-9AF2-5232E07D05EE}" type="datetimeFigureOut">
               <a:rPr lang="en-IN" smtClean="0"/>
-              <a:t>30-10-2022</a:t>
+              <a:t>11-11-2022</a:t>
             </a:fld>
             <a:endParaRPr lang="en-IN"/>
           </a:p>
@@ -790,7 +819,7 @@
           <a:p>
             <a:fld id="{1C29BAD4-F84B-4098-9A41-64CBD40CD135}" type="datetimeFigureOut">
               <a:rPr lang="en-IN" smtClean="0"/>
-              <a:t>30-10-2022</a:t>
+              <a:t>11-11-2022</a:t>
             </a:fld>
             <a:endParaRPr lang="en-IN"/>
           </a:p>
@@ -960,7 +989,7 @@
           <a:p>
             <a:fld id="{1C29BAD4-F84B-4098-9A41-64CBD40CD135}" type="datetimeFigureOut">
               <a:rPr lang="en-IN" smtClean="0"/>
-              <a:t>30-10-2022</a:t>
+              <a:t>11-11-2022</a:t>
             </a:fld>
             <a:endParaRPr lang="en-IN"/>
           </a:p>
@@ -1140,7 +1169,7 @@
           <a:p>
             <a:fld id="{1C29BAD4-F84B-4098-9A41-64CBD40CD135}" type="datetimeFigureOut">
               <a:rPr lang="en-IN" smtClean="0"/>
-              <a:t>30-10-2022</a:t>
+              <a:t>11-11-2022</a:t>
             </a:fld>
             <a:endParaRPr lang="en-IN"/>
           </a:p>
@@ -1310,7 +1339,7 @@
           <a:p>
             <a:fld id="{1C29BAD4-F84B-4098-9A41-64CBD40CD135}" type="datetimeFigureOut">
               <a:rPr lang="en-IN" smtClean="0"/>
-              <a:t>30-10-2022</a:t>
+              <a:t>11-11-2022</a:t>
             </a:fld>
             <a:endParaRPr lang="en-IN"/>
           </a:p>
@@ -1556,7 +1585,7 @@
           <a:p>
             <a:fld id="{1C29BAD4-F84B-4098-9A41-64CBD40CD135}" type="datetimeFigureOut">
               <a:rPr lang="en-IN" smtClean="0"/>
-              <a:t>30-10-2022</a:t>
+              <a:t>11-11-2022</a:t>
             </a:fld>
             <a:endParaRPr lang="en-IN"/>
           </a:p>
@@ -1788,7 +1817,7 @@
           <a:p>
             <a:fld id="{1C29BAD4-F84B-4098-9A41-64CBD40CD135}" type="datetimeFigureOut">
               <a:rPr lang="en-IN" smtClean="0"/>
-              <a:t>30-10-2022</a:t>
+              <a:t>11-11-2022</a:t>
             </a:fld>
             <a:endParaRPr lang="en-IN"/>
           </a:p>
@@ -2155,7 +2184,7 @@
           <a:p>
             <a:fld id="{1C29BAD4-F84B-4098-9A41-64CBD40CD135}" type="datetimeFigureOut">
               <a:rPr lang="en-IN" smtClean="0"/>
-              <a:t>30-10-2022</a:t>
+              <a:t>11-11-2022</a:t>
             </a:fld>
             <a:endParaRPr lang="en-IN"/>
           </a:p>
@@ -2273,7 +2302,7 @@
           <a:p>
             <a:fld id="{1C29BAD4-F84B-4098-9A41-64CBD40CD135}" type="datetimeFigureOut">
               <a:rPr lang="en-IN" smtClean="0"/>
-              <a:t>30-10-2022</a:t>
+              <a:t>11-11-2022</a:t>
             </a:fld>
             <a:endParaRPr lang="en-IN"/>
           </a:p>
@@ -2368,7 +2397,7 @@
           <a:p>
             <a:fld id="{1C29BAD4-F84B-4098-9A41-64CBD40CD135}" type="datetimeFigureOut">
               <a:rPr lang="en-IN" smtClean="0"/>
-              <a:t>30-10-2022</a:t>
+              <a:t>11-11-2022</a:t>
             </a:fld>
             <a:endParaRPr lang="en-IN"/>
           </a:p>
@@ -2645,7 +2674,7 @@
           <a:p>
             <a:fld id="{1C29BAD4-F84B-4098-9A41-64CBD40CD135}" type="datetimeFigureOut">
               <a:rPr lang="en-IN" smtClean="0"/>
-              <a:t>30-10-2022</a:t>
+              <a:t>11-11-2022</a:t>
             </a:fld>
             <a:endParaRPr lang="en-IN"/>
           </a:p>
@@ -2898,7 +2927,7 @@
           <a:p>
             <a:fld id="{1C29BAD4-F84B-4098-9A41-64CBD40CD135}" type="datetimeFigureOut">
               <a:rPr lang="en-IN" smtClean="0"/>
-              <a:t>30-10-2022</a:t>
+              <a:t>11-11-2022</a:t>
             </a:fld>
             <a:endParaRPr lang="en-IN"/>
           </a:p>
@@ -3111,7 +3140,7 @@
           <a:p>
             <a:fld id="{1C29BAD4-F84B-4098-9A41-64CBD40CD135}" type="datetimeFigureOut">
               <a:rPr lang="en-IN" smtClean="0"/>
-              <a:t>30-10-2022</a:t>
+              <a:t>11-11-2022</a:t>
             </a:fld>
             <a:endParaRPr lang="en-IN"/>
           </a:p>
@@ -6484,7 +6513,7 @@
         <p:spPr>
           <a:xfrm>
             <a:off x="1524000" y="1"/>
-            <a:ext cx="9144000" cy="6894195"/>
+            <a:ext cx="9144000" cy="7201972"/>
           </a:xfrm>
           <a:prstGeom prst="rect">
             <a:avLst/>
@@ -6511,21 +6540,35 @@
                 <a:latin typeface="Times New Roman" pitchFamily="18" charset="0"/>
                 <a:cs typeface="Times New Roman" pitchFamily="18" charset="0"/>
               </a:rPr>
-              <a:t>	* Abstract classes can’t be instantiated but can be </a:t>
-            </a:r>
-            <a:r>
-              <a:rPr lang="en-US" sz="2000" dirty="0" err="1">
-                <a:latin typeface="Times New Roman" pitchFamily="18" charset="0"/>
-                <a:cs typeface="Times New Roman" pitchFamily="18" charset="0"/>
-              </a:rPr>
-              <a:t>subclassed</a:t>
-            </a:r>
-            <a:r>
-              <a:rPr lang="en-US" sz="2000" dirty="0">
-                <a:latin typeface="Times New Roman" pitchFamily="18" charset="0"/>
-                <a:cs typeface="Times New Roman" pitchFamily="18" charset="0"/>
-              </a:rPr>
-              <a:t>.</a:t>
+              <a:t>	* Abstract classes can’t </a:t>
+            </a:r>
+            <a:r>
+              <a:rPr lang="en-US" sz="2000">
+                <a:latin typeface="Times New Roman" pitchFamily="18" charset="0"/>
+                <a:cs typeface="Times New Roman" pitchFamily="18" charset="0"/>
+              </a:rPr>
+              <a:t>be instantiated)(</a:t>
+            </a:r>
+            <a:r>
+              <a:rPr lang="en-US" sz="2000" dirty="0">
+                <a:latin typeface="Times New Roman" pitchFamily="18" charset="0"/>
+                <a:cs typeface="Times New Roman" pitchFamily="18" charset="0"/>
+              </a:rPr>
+              <a:t>cant create the objects of </a:t>
+            </a:r>
+            <a:r>
+              <a:rPr lang="en-US" sz="2000">
+                <a:latin typeface="Times New Roman" pitchFamily="18" charset="0"/>
+                <a:cs typeface="Times New Roman" pitchFamily="18" charset="0"/>
+              </a:rPr>
+              <a:t>abstract class) </a:t>
+            </a:r>
+            <a:r>
+              <a:rPr lang="en-US" sz="2000" dirty="0">
+                <a:latin typeface="Times New Roman" pitchFamily="18" charset="0"/>
+                <a:cs typeface="Times New Roman" pitchFamily="18" charset="0"/>
+              </a:rPr>
+              <a:t>but can be subclassed.</a:t>
             </a:r>
           </a:p>
           <a:p>
